--- a/ppts/0 - preface.pptx
+++ b/ppts/0 - preface.pptx
@@ -520,7 +520,7 @@
           <a:p>
             <a:fld id="{5EE58819-E3F2-4E6D-9AEE-588E0742387A}" type="datetimeFigureOut">
               <a:rPr lang="en-US" smtClean="0"/>
-              <a:t>3/1/2024</a:t>
+              <a:t>5/6/2025</a:t>
             </a:fld>
             <a:endParaRPr lang="en-US"/>
           </a:p>
@@ -1318,7 +1318,7 @@
           <a:p>
             <a:fld id="{7D7586E9-2048-41F9-AFFB-540BFCF114CE}" type="datetimeFigureOut">
               <a:rPr lang="en-US" smtClean="0"/>
-              <a:t>3/1/2024</a:t>
+              <a:t>5/6/2025</a:t>
             </a:fld>
             <a:endParaRPr lang="en-US"/>
           </a:p>
@@ -1471,7 +1471,7 @@
           <a:p>
             <a:fld id="{7D7586E9-2048-41F9-AFFB-540BFCF114CE}" type="datetimeFigureOut">
               <a:rPr lang="en-US" smtClean="0"/>
-              <a:t>3/1/2024</a:t>
+              <a:t>5/6/2025</a:t>
             </a:fld>
             <a:endParaRPr lang="en-US"/>
           </a:p>
@@ -1914,7 +1914,7 @@
           <a:p>
             <a:fld id="{7D7586E9-2048-41F9-AFFB-540BFCF114CE}" type="datetimeFigureOut">
               <a:rPr lang="en-US" smtClean="0"/>
-              <a:t>3/1/2024</a:t>
+              <a:t>5/6/2025</a:t>
             </a:fld>
             <a:endParaRPr lang="en-US"/>
           </a:p>
@@ -2233,7 +2233,7 @@
           <a:p>
             <a:fld id="{7D7586E9-2048-41F9-AFFB-540BFCF114CE}" type="datetimeFigureOut">
               <a:rPr lang="en-US" smtClean="0"/>
-              <a:t>3/1/2024</a:t>
+              <a:t>5/6/2025</a:t>
             </a:fld>
             <a:endParaRPr lang="en-US"/>
           </a:p>
@@ -2440,7 +2440,7 @@
           <a:p>
             <a:fld id="{7D7586E9-2048-41F9-AFFB-540BFCF114CE}" type="datetimeFigureOut">
               <a:rPr lang="en-US" smtClean="0"/>
-              <a:t>3/1/2024</a:t>
+              <a:t>5/6/2025</a:t>
             </a:fld>
             <a:endParaRPr lang="en-US"/>
           </a:p>
@@ -2759,7 +2759,7 @@
           <a:p>
             <a:fld id="{7D7586E9-2048-41F9-AFFB-540BFCF114CE}" type="datetimeFigureOut">
               <a:rPr lang="en-US" smtClean="0"/>
-              <a:t>3/1/2024</a:t>
+              <a:t>5/6/2025</a:t>
             </a:fld>
             <a:endParaRPr lang="en-US"/>
           </a:p>
@@ -3099,7 +3099,7 @@
           <a:p>
             <a:fld id="{7D7586E9-2048-41F9-AFFB-540BFCF114CE}" type="datetimeFigureOut">
               <a:rPr lang="en-US" smtClean="0"/>
-              <a:t>3/1/2024</a:t>
+              <a:t>5/6/2025</a:t>
             </a:fld>
             <a:endParaRPr lang="en-US"/>
           </a:p>
@@ -3263,7 +3263,7 @@
           <a:p>
             <a:fld id="{7D7586E9-2048-41F9-AFFB-540BFCF114CE}" type="datetimeFigureOut">
               <a:rPr lang="en-US" smtClean="0"/>
-              <a:t>3/1/2024</a:t>
+              <a:t>5/6/2025</a:t>
             </a:fld>
             <a:endParaRPr lang="en-US"/>
           </a:p>
@@ -3540,7 +3540,7 @@
           <a:p>
             <a:fld id="{7D7586E9-2048-41F9-AFFB-540BFCF114CE}" type="datetimeFigureOut">
               <a:rPr lang="en-US" smtClean="0"/>
-              <a:t>3/1/2024</a:t>
+              <a:t>5/6/2025</a:t>
             </a:fld>
             <a:endParaRPr lang="en-US"/>
           </a:p>
@@ -3992,7 +3992,7 @@
           <a:p>
             <a:fld id="{7D7586E9-2048-41F9-AFFB-540BFCF114CE}" type="datetimeFigureOut">
               <a:rPr lang="en-US" smtClean="0"/>
-              <a:t>3/1/2024</a:t>
+              <a:t>5/6/2025</a:t>
             </a:fld>
             <a:endParaRPr lang="en-US"/>
           </a:p>
@@ -4237,7 +4237,7 @@
           <a:p>
             <a:fld id="{7D7586E9-2048-41F9-AFFB-540BFCF114CE}" type="datetimeFigureOut">
               <a:rPr lang="en-US" smtClean="0"/>
-              <a:t>3/1/2024</a:t>
+              <a:t>5/6/2025</a:t>
             </a:fld>
             <a:endParaRPr lang="en-US"/>
           </a:p>
@@ -4798,7 +4798,7 @@
           <a:p>
             <a:fld id="{7D7586E9-2048-41F9-AFFB-540BFCF114CE}" type="datetimeFigureOut">
               <a:rPr lang="en-US" smtClean="0"/>
-              <a:t>3/1/2024</a:t>
+              <a:t>5/6/2025</a:t>
             </a:fld>
             <a:endParaRPr lang="en-US"/>
           </a:p>
@@ -4911,7 +4911,7 @@
           <a:p>
             <a:fld id="{7D7586E9-2048-41F9-AFFB-540BFCF114CE}" type="datetimeFigureOut">
               <a:rPr lang="en-US" smtClean="0"/>
-              <a:t>3/1/2024</a:t>
+              <a:t>5/6/2025</a:t>
             </a:fld>
             <a:endParaRPr lang="en-US"/>
           </a:p>
@@ -5445,7 +5445,7 @@
           <a:p>
             <a:fld id="{7D7586E9-2048-41F9-AFFB-540BFCF114CE}" type="datetimeFigureOut">
               <a:rPr lang="en-US" smtClean="0"/>
-              <a:t>3/1/2024</a:t>
+              <a:t>5/6/2025</a:t>
             </a:fld>
             <a:endParaRPr lang="en-US"/>
           </a:p>
@@ -5759,7 +5759,7 @@
           <a:p>
             <a:fld id="{7D7586E9-2048-41F9-AFFB-540BFCF114CE}" type="datetimeFigureOut">
               <a:rPr lang="en-US" smtClean="0"/>
-              <a:t>3/1/2024</a:t>
+              <a:t>5/6/2025</a:t>
             </a:fld>
             <a:endParaRPr lang="en-US"/>
           </a:p>
@@ -6080,7 +6080,7 @@
           <a:p>
             <a:fld id="{7D7586E9-2048-41F9-AFFB-540BFCF114CE}" type="datetimeFigureOut">
               <a:rPr lang="en-US" smtClean="0"/>
-              <a:t>3/1/2024</a:t>
+              <a:t>5/6/2025</a:t>
             </a:fld>
             <a:endParaRPr lang="en-US"/>
           </a:p>
@@ -6521,7 +6521,7 @@
           <a:p>
             <a:fld id="{7D7586E9-2048-41F9-AFFB-540BFCF114CE}" type="datetimeFigureOut">
               <a:rPr lang="en-US" smtClean="0"/>
-              <a:t>3/1/2024</a:t>
+              <a:t>5/6/2025</a:t>
             </a:fld>
             <a:endParaRPr lang="en-US"/>
           </a:p>
@@ -6962,7 +6962,7 @@
           <a:p>
             <a:fld id="{7D7586E9-2048-41F9-AFFB-540BFCF114CE}" type="datetimeFigureOut">
               <a:rPr lang="en-US" smtClean="0"/>
-              <a:t>3/1/2024</a:t>
+              <a:t>5/6/2025</a:t>
             </a:fld>
             <a:endParaRPr lang="en-US"/>
           </a:p>
@@ -7336,7 +7336,7 @@
           <a:p>
             <a:fld id="{7D7586E9-2048-41F9-AFFB-540BFCF114CE}" type="datetimeFigureOut">
               <a:rPr lang="en-US" smtClean="0"/>
-              <a:t>3/1/2024</a:t>
+              <a:t>5/6/2025</a:t>
             </a:fld>
             <a:endParaRPr lang="en-US"/>
           </a:p>
@@ -7731,7 +7731,7 @@
           <a:p>
             <a:fld id="{7D7586E9-2048-41F9-AFFB-540BFCF114CE}" type="datetimeFigureOut">
               <a:rPr lang="en-US" smtClean="0"/>
-              <a:t>3/1/2024</a:t>
+              <a:t>5/6/2025</a:t>
             </a:fld>
             <a:endParaRPr lang="en-US"/>
           </a:p>
@@ -8135,7 +8135,7 @@
           <a:p>
             <a:fld id="{7D7586E9-2048-41F9-AFFB-540BFCF114CE}" type="datetimeFigureOut">
               <a:rPr lang="en-US" smtClean="0"/>
-              <a:t>3/1/2024</a:t>
+              <a:t>5/6/2025</a:t>
             </a:fld>
             <a:endParaRPr lang="en-US"/>
           </a:p>
@@ -8298,7 +8298,7 @@
           <a:p>
             <a:fld id="{7D7586E9-2048-41F9-AFFB-540BFCF114CE}" type="datetimeFigureOut">
               <a:rPr lang="en-US" smtClean="0"/>
-              <a:t>3/1/2024</a:t>
+              <a:t>5/6/2025</a:t>
             </a:fld>
             <a:endParaRPr lang="en-US"/>
           </a:p>
@@ -8897,7 +8897,7 @@
           <a:p>
             <a:fld id="{7D7586E9-2048-41F9-AFFB-540BFCF114CE}" type="datetimeFigureOut">
               <a:rPr lang="en-US" smtClean="0"/>
-              <a:t>3/1/2024</a:t>
+              <a:t>5/6/2025</a:t>
             </a:fld>
             <a:endParaRPr lang="en-US"/>
           </a:p>
@@ -9013,7 +9013,7 @@
           <a:p>
             <a:fld id="{7D7586E9-2048-41F9-AFFB-540BFCF114CE}" type="datetimeFigureOut">
               <a:rPr lang="en-US" smtClean="0"/>
-              <a:t>3/1/2024</a:t>
+              <a:t>5/6/2025</a:t>
             </a:fld>
             <a:endParaRPr lang="en-US"/>
           </a:p>
@@ -9483,7 +9483,7 @@
           <a:p>
             <a:fld id="{7D7586E9-2048-41F9-AFFB-540BFCF114CE}" type="datetimeFigureOut">
               <a:rPr lang="en-US" smtClean="0"/>
-              <a:t>3/1/2024</a:t>
+              <a:t>5/6/2025</a:t>
             </a:fld>
             <a:endParaRPr lang="en-US"/>
           </a:p>
@@ -9589,7 +9589,7 @@
           <a:p>
             <a:fld id="{7D7586E9-2048-41F9-AFFB-540BFCF114CE}" type="datetimeFigureOut">
               <a:rPr lang="en-US" smtClean="0"/>
-              <a:t>3/1/2024</a:t>
+              <a:t>5/6/2025</a:t>
             </a:fld>
             <a:endParaRPr lang="en-US"/>
           </a:p>
@@ -10077,7 +10077,7 @@
           <a:p>
             <a:fld id="{7D7586E9-2048-41F9-AFFB-540BFCF114CE}" type="datetimeFigureOut">
               <a:rPr lang="en-US" smtClean="0"/>
-              <a:t>3/1/2024</a:t>
+              <a:t>5/6/2025</a:t>
             </a:fld>
             <a:endParaRPr lang="en-US"/>
           </a:p>
@@ -10190,7 +10190,7 @@
           <a:p>
             <a:fld id="{7D7586E9-2048-41F9-AFFB-540BFCF114CE}" type="datetimeFigureOut">
               <a:rPr lang="en-US" smtClean="0"/>
-              <a:t>3/1/2024</a:t>
+              <a:t>5/6/2025</a:t>
             </a:fld>
             <a:endParaRPr lang="en-US"/>
           </a:p>
@@ -10732,7 +10732,7 @@
           <a:p>
             <a:fld id="{7D7586E9-2048-41F9-AFFB-540BFCF114CE}" type="datetimeFigureOut">
               <a:rPr lang="en-US" smtClean="0"/>
-              <a:t>3/1/2024</a:t>
+              <a:t>5/6/2025</a:t>
             </a:fld>
             <a:endParaRPr lang="en-US"/>
           </a:p>
@@ -11148,7 +11148,7 @@
           <a:p>
             <a:fld id="{7D7586E9-2048-41F9-AFFB-540BFCF114CE}" type="datetimeFigureOut">
               <a:rPr lang="en-US" smtClean="0"/>
-              <a:t>3/1/2024</a:t>
+              <a:t>5/6/2025</a:t>
             </a:fld>
             <a:endParaRPr lang="en-US"/>
           </a:p>
@@ -11490,7 +11490,7 @@
           <a:p>
             <a:fld id="{7D7586E9-2048-41F9-AFFB-540BFCF114CE}" type="datetimeFigureOut">
               <a:rPr lang="en-US" smtClean="0"/>
-              <a:t>3/1/2024</a:t>
+              <a:t>5/6/2025</a:t>
             </a:fld>
             <a:endParaRPr lang="en-US"/>
           </a:p>
@@ -12153,7 +12153,7 @@
           <a:p>
             <a:fld id="{7D7586E9-2048-41F9-AFFB-540BFCF114CE}" type="datetimeFigureOut">
               <a:rPr lang="en-US" smtClean="0"/>
-              <a:t>3/1/2024</a:t>
+              <a:t>5/6/2025</a:t>
             </a:fld>
             <a:endParaRPr lang="en-US"/>
           </a:p>
@@ -12517,7 +12517,7 @@
           <a:p>
             <a:fld id="{7D7586E9-2048-41F9-AFFB-540BFCF114CE}" type="datetimeFigureOut">
               <a:rPr lang="en-US" smtClean="0"/>
-              <a:t>3/1/2024</a:t>
+              <a:t>5/6/2025</a:t>
             </a:fld>
             <a:endParaRPr lang="en-US"/>
           </a:p>
@@ -13238,7 +13238,7 @@
           <a:p>
             <a:fld id="{7D7586E9-2048-41F9-AFFB-540BFCF114CE}" type="datetimeFigureOut">
               <a:rPr lang="en-US" smtClean="0"/>
-              <a:t>3/1/2024</a:t>
+              <a:t>5/6/2025</a:t>
             </a:fld>
             <a:endParaRPr lang="en-US"/>
           </a:p>
@@ -13445,7 +13445,7 @@
           <a:p>
             <a:fld id="{7D7586E9-2048-41F9-AFFB-540BFCF114CE}" type="datetimeFigureOut">
               <a:rPr lang="en-US" smtClean="0"/>
-              <a:t>3/1/2024</a:t>
+              <a:t>5/6/2025</a:t>
             </a:fld>
             <a:endParaRPr lang="en-US"/>
           </a:p>
@@ -13741,7 +13741,7 @@
           <a:p>
             <a:fld id="{7D7586E9-2048-41F9-AFFB-540BFCF114CE}" type="datetimeFigureOut">
               <a:rPr lang="en-US" smtClean="0"/>
-              <a:t>3/1/2024</a:t>
+              <a:t>5/6/2025</a:t>
             </a:fld>
             <a:endParaRPr lang="en-US"/>
           </a:p>
@@ -14832,14 +14832,17 @@
         </p:nvSpPr>
         <p:spPr>
           <a:xfrm>
-            <a:off x="0" y="1450800"/>
-            <a:ext cx="3726425" cy="4881780"/>
-          </a:xfrm>
-        </p:spPr>
-        <p:txBody>
-          <a:bodyPr/>
+            <a:off x="741641" y="1714994"/>
+            <a:ext cx="3647768" cy="2718077"/>
+          </a:xfrm>
+        </p:spPr>
+        <p:txBody>
+          <a:bodyPr>
+            <a:normAutofit fontScale="92500"/>
+          </a:bodyPr>
           <a:lstStyle/>
           <a:p>
+            <a:pPr algn="r"/>
             <a:r>
               <a:rPr lang="en-US" dirty="0"/>
               <a:t>You look at the solutions, run them and that is enough for you.</a:t>
@@ -14873,7 +14876,7 @@
           <a:p>
             <a:r>
               <a:rPr lang="en-US" dirty="0"/>
-              <a:t>Two paths</a:t>
+              <a:t>Three paths</a:t>
             </a:r>
             <a:endParaRPr lang="en-BE" dirty="0"/>
           </a:p>
@@ -14913,68 +14916,32 @@
           </a:p>
         </p:txBody>
       </p:sp>
-      <p:pic>
-        <p:nvPicPr>
-          <p:cNvPr id="6" name="Picture 5" descr="A close-up of a train track&#10;&#10;Description automatically generated">
-            <a:extLst>
-              <a:ext uri="{FF2B5EF4-FFF2-40B4-BE49-F238E27FC236}">
-                <a16:creationId xmlns:a16="http://schemas.microsoft.com/office/drawing/2014/main" id="{2EB64767-04F3-B786-DC1E-D02C33D2CA48}"/>
-              </a:ext>
-            </a:extLst>
-          </p:cNvPr>
-          <p:cNvPicPr>
-            <a:picLocks noChangeAspect="1"/>
-          </p:cNvPicPr>
+      <p:sp>
+        <p:nvSpPr>
+          <p:cNvPr id="7" name="Text Placeholder 1">
+            <a:extLst>
+              <a:ext uri="{FF2B5EF4-FFF2-40B4-BE49-F238E27FC236}">
+                <a16:creationId xmlns:a16="http://schemas.microsoft.com/office/drawing/2014/main" id="{F3B8F160-2083-AA04-CF75-5E4556AC480F}"/>
+              </a:ext>
+            </a:extLst>
+          </p:cNvPr>
+          <p:cNvSpPr txBox="1">
+            <a:spLocks/>
+          </p:cNvSpPr>
           <p:nvPr/>
-        </p:nvPicPr>
-        <p:blipFill>
-          <a:blip r:embed="rId2">
-            <a:extLst>
-              <a:ext uri="{28A0092B-C50C-407E-A947-70E740481C1C}">
-                <a14:useLocalDpi xmlns:a14="http://schemas.microsoft.com/office/drawing/2010/main" val="0"/>
-              </a:ext>
-            </a:extLst>
-          </a:blip>
-          <a:stretch>
-            <a:fillRect/>
-          </a:stretch>
-        </p:blipFill>
-        <p:spPr>
-          <a:xfrm>
-            <a:off x="3726425" y="1430666"/>
-            <a:ext cx="4570113" cy="5427334"/>
+        </p:nvSpPr>
+        <p:spPr>
+          <a:xfrm>
+            <a:off x="4963402" y="4097496"/>
+            <a:ext cx="4200263" cy="2429845"/>
           </a:xfrm>
           <a:prstGeom prst="rect">
             <a:avLst/>
           </a:prstGeom>
         </p:spPr>
-      </p:pic>
-      <p:sp>
-        <p:nvSpPr>
-          <p:cNvPr id="7" name="Text Placeholder 1">
-            <a:extLst>
-              <a:ext uri="{FF2B5EF4-FFF2-40B4-BE49-F238E27FC236}">
-                <a16:creationId xmlns:a16="http://schemas.microsoft.com/office/drawing/2014/main" id="{F3B8F160-2083-AA04-CF75-5E4556AC480F}"/>
-              </a:ext>
-            </a:extLst>
-          </p:cNvPr>
-          <p:cNvSpPr txBox="1">
-            <a:spLocks/>
-          </p:cNvSpPr>
-          <p:nvPr/>
-        </p:nvSpPr>
-        <p:spPr>
-          <a:xfrm>
-            <a:off x="8296538" y="1430666"/>
-            <a:ext cx="3895462" cy="4858316"/>
-          </a:xfrm>
-          <a:prstGeom prst="rect">
-            <a:avLst/>
-          </a:prstGeom>
-        </p:spPr>
         <p:txBody>
           <a:bodyPr vert="horz" lIns="720000" tIns="360000" rIns="720000" bIns="360000" rtlCol="0">
-            <a:normAutofit/>
+            <a:normAutofit fontScale="92500" lnSpcReduction="10000"/>
           </a:bodyPr>
           <a:lstStyle>
             <a:lvl1pPr marL="0" indent="0" algn="l" defTabSz="914400" rtl="0" eaLnBrk="1" latinLnBrk="0" hangingPunct="1">
@@ -15175,9 +15142,280 @@
             </a:lvl9pPr>
           </a:lstStyle>
           <a:p>
+            <a:pPr algn="ctr"/>
             <a:r>
               <a:rPr lang="en-US" dirty="0"/>
               <a:t>You build the solutions yourself, asking questions and try not to look at the solutions.</a:t>
+            </a:r>
+            <a:endParaRPr lang="en-BE" dirty="0"/>
+          </a:p>
+        </p:txBody>
+      </p:sp>
+      <p:pic>
+        <p:nvPicPr>
+          <p:cNvPr id="8" name="Picture 7" descr="A close-up of a train track&#10;&#10;AI-generated content may be incorrect.">
+            <a:extLst>
+              <a:ext uri="{FF2B5EF4-FFF2-40B4-BE49-F238E27FC236}">
+                <a16:creationId xmlns:a16="http://schemas.microsoft.com/office/drawing/2014/main" id="{67DAA6DD-B7E0-0F40-1F5D-E02C2245E7BB}"/>
+              </a:ext>
+            </a:extLst>
+          </p:cNvPr>
+          <p:cNvPicPr>
+            <a:picLocks noChangeAspect="1"/>
+          </p:cNvPicPr>
+          <p:nvPr/>
+        </p:nvPicPr>
+        <p:blipFill>
+          <a:blip r:embed="rId2">
+            <a:extLst>
+              <a:ext uri="{28A0092B-C50C-407E-A947-70E740481C1C}">
+                <a14:useLocalDpi xmlns:a14="http://schemas.microsoft.com/office/drawing/2010/main" val="0"/>
+              </a:ext>
+            </a:extLst>
+          </a:blip>
+          <a:stretch>
+            <a:fillRect/>
+          </a:stretch>
+        </p:blipFill>
+        <p:spPr>
+          <a:xfrm>
+            <a:off x="3895463" y="0"/>
+            <a:ext cx="6145161" cy="4098774"/>
+          </a:xfrm>
+          <a:prstGeom prst="rect">
+            <a:avLst/>
+          </a:prstGeom>
+        </p:spPr>
+      </p:pic>
+      <p:sp>
+        <p:nvSpPr>
+          <p:cNvPr id="9" name="Text Placeholder 1">
+            <a:extLst>
+              <a:ext uri="{FF2B5EF4-FFF2-40B4-BE49-F238E27FC236}">
+                <a16:creationId xmlns:a16="http://schemas.microsoft.com/office/drawing/2014/main" id="{B7E9B5AA-9730-F63E-191B-CD6AAC343227}"/>
+              </a:ext>
+            </a:extLst>
+          </p:cNvPr>
+          <p:cNvSpPr txBox="1">
+            <a:spLocks/>
+          </p:cNvSpPr>
+          <p:nvPr/>
+        </p:nvSpPr>
+        <p:spPr>
+          <a:xfrm>
+            <a:off x="9613991" y="2701315"/>
+            <a:ext cx="2872977" cy="1731756"/>
+          </a:xfrm>
+          <a:prstGeom prst="rect">
+            <a:avLst/>
+          </a:prstGeom>
+        </p:spPr>
+        <p:txBody>
+          <a:bodyPr vert="horz" lIns="720000" tIns="360000" rIns="720000" bIns="360000" rtlCol="0">
+            <a:normAutofit fontScale="92500" lnSpcReduction="10000"/>
+          </a:bodyPr>
+          <a:lstStyle>
+            <a:lvl1pPr marL="0" indent="0" algn="l" defTabSz="914400" rtl="0" eaLnBrk="1" latinLnBrk="0" hangingPunct="1">
+              <a:lnSpc>
+                <a:spcPct val="90000"/>
+              </a:lnSpc>
+              <a:spcBef>
+                <a:spcPts val="0"/>
+              </a:spcBef>
+              <a:spcAft>
+                <a:spcPts val="0"/>
+              </a:spcAft>
+              <a:buClr>
+                <a:srgbClr val="F04C25"/>
+              </a:buClr>
+              <a:buSzPct val="75000"/>
+              <a:buFont typeface="Wingdings" panose="05000000000000000000" pitchFamily="2" charset="2"/>
+              <a:buNone/>
+              <a:defRPr sz="2800" kern="1200">
+                <a:solidFill>
+                  <a:srgbClr val="3C3C3C"/>
+                </a:solidFill>
+                <a:latin typeface="Nunito Light" panose="00000400000000000000" pitchFamily="2" charset="0"/>
+                <a:ea typeface="+mn-ea"/>
+                <a:cs typeface="+mn-cs"/>
+              </a:defRPr>
+            </a:lvl1pPr>
+            <a:lvl2pPr marL="360000" indent="-360000" algn="l" defTabSz="914400" rtl="0" eaLnBrk="1" latinLnBrk="0" hangingPunct="1">
+              <a:lnSpc>
+                <a:spcPct val="90000"/>
+              </a:lnSpc>
+              <a:spcBef>
+                <a:spcPts val="200"/>
+              </a:spcBef>
+              <a:spcAft>
+                <a:spcPts val="200"/>
+              </a:spcAft>
+              <a:buClr>
+                <a:srgbClr val="F04C25"/>
+              </a:buClr>
+              <a:buSzPct val="75000"/>
+              <a:buFont typeface="Wingdings" panose="05000000000000000000" pitchFamily="2" charset="2"/>
+              <a:buChar char="æ"/>
+              <a:defRPr sz="2800" kern="1200">
+                <a:solidFill>
+                  <a:srgbClr val="3C3C3C"/>
+                </a:solidFill>
+                <a:latin typeface="Nunito Light" panose="00000400000000000000" pitchFamily="2" charset="0"/>
+                <a:ea typeface="+mn-ea"/>
+                <a:cs typeface="+mn-cs"/>
+              </a:defRPr>
+            </a:lvl2pPr>
+            <a:lvl3pPr marL="720000" indent="-360000" algn="l" defTabSz="914400" rtl="0" eaLnBrk="1" latinLnBrk="0" hangingPunct="1">
+              <a:lnSpc>
+                <a:spcPct val="90000"/>
+              </a:lnSpc>
+              <a:spcBef>
+                <a:spcPts val="200"/>
+              </a:spcBef>
+              <a:spcAft>
+                <a:spcPts val="200"/>
+              </a:spcAft>
+              <a:buClr>
+                <a:srgbClr val="F04C25"/>
+              </a:buClr>
+              <a:buSzPct val="70000"/>
+              <a:buFont typeface="Wingdings" panose="05000000000000000000" pitchFamily="2" charset="2"/>
+              <a:buChar char=""/>
+              <a:defRPr sz="2800" kern="1200">
+                <a:solidFill>
+                  <a:srgbClr val="3C3C3C"/>
+                </a:solidFill>
+                <a:latin typeface="Nunito Light" panose="00000400000000000000" pitchFamily="2" charset="0"/>
+                <a:ea typeface="+mn-ea"/>
+                <a:cs typeface="+mn-cs"/>
+              </a:defRPr>
+            </a:lvl3pPr>
+            <a:lvl4pPr marL="1044000" indent="-324000" algn="l" defTabSz="914400" rtl="0" eaLnBrk="1" latinLnBrk="0" hangingPunct="1">
+              <a:lnSpc>
+                <a:spcPct val="90000"/>
+              </a:lnSpc>
+              <a:spcBef>
+                <a:spcPts val="200"/>
+              </a:spcBef>
+              <a:spcAft>
+                <a:spcPts val="200"/>
+              </a:spcAft>
+              <a:buClr>
+                <a:srgbClr val="3C3C3C"/>
+              </a:buClr>
+              <a:buFont typeface="Nunito" panose="00000500000000000000" pitchFamily="2" charset="0"/>
+              <a:buChar char="‐"/>
+              <a:defRPr sz="2100" i="0" u="none" kern="1200">
+                <a:solidFill>
+                  <a:srgbClr val="3C3C3C"/>
+                </a:solidFill>
+                <a:latin typeface="Nunito Light" panose="00000400000000000000" pitchFamily="2" charset="0"/>
+                <a:ea typeface="+mn-ea"/>
+                <a:cs typeface="+mn-cs"/>
+              </a:defRPr>
+            </a:lvl4pPr>
+            <a:lvl5pPr marL="1224000" indent="-180000" algn="l" defTabSz="914400" rtl="0" eaLnBrk="1" latinLnBrk="0" hangingPunct="1">
+              <a:lnSpc>
+                <a:spcPct val="90000"/>
+              </a:lnSpc>
+              <a:spcBef>
+                <a:spcPts val="300"/>
+              </a:spcBef>
+              <a:spcAft>
+                <a:spcPts val="100"/>
+              </a:spcAft>
+              <a:buClr>
+                <a:srgbClr val="3C3C3C"/>
+              </a:buClr>
+              <a:buSzPct val="120000"/>
+              <a:buFont typeface="Nunito" panose="00000500000000000000" pitchFamily="2" charset="0"/>
+              <a:buChar char="›"/>
+              <a:defRPr sz="1600" kern="1200">
+                <a:solidFill>
+                  <a:srgbClr val="3C3C3C"/>
+                </a:solidFill>
+                <a:latin typeface="Nunito Light" panose="00000400000000000000" pitchFamily="2" charset="0"/>
+                <a:ea typeface="+mn-ea"/>
+                <a:cs typeface="+mn-cs"/>
+              </a:defRPr>
+            </a:lvl5pPr>
+            <a:lvl6pPr marL="2514600" indent="-228600" algn="l" defTabSz="914400" rtl="0" eaLnBrk="1" latinLnBrk="0" hangingPunct="1">
+              <a:lnSpc>
+                <a:spcPct val="90000"/>
+              </a:lnSpc>
+              <a:spcBef>
+                <a:spcPts val="500"/>
+              </a:spcBef>
+              <a:buFont typeface="Arial" panose="020B0604020202020204" pitchFamily="34" charset="0"/>
+              <a:buChar char="•"/>
+              <a:defRPr sz="1800" kern="1200">
+                <a:solidFill>
+                  <a:schemeClr val="tx1"/>
+                </a:solidFill>
+                <a:latin typeface="+mn-lt"/>
+                <a:ea typeface="+mn-ea"/>
+                <a:cs typeface="+mn-cs"/>
+              </a:defRPr>
+            </a:lvl6pPr>
+            <a:lvl7pPr marL="2971800" indent="-228600" algn="l" defTabSz="914400" rtl="0" eaLnBrk="1" latinLnBrk="0" hangingPunct="1">
+              <a:lnSpc>
+                <a:spcPct val="90000"/>
+              </a:lnSpc>
+              <a:spcBef>
+                <a:spcPts val="500"/>
+              </a:spcBef>
+              <a:buFont typeface="Arial" panose="020B0604020202020204" pitchFamily="34" charset="0"/>
+              <a:buChar char="•"/>
+              <a:defRPr sz="1800" kern="1200">
+                <a:solidFill>
+                  <a:schemeClr val="tx1"/>
+                </a:solidFill>
+                <a:latin typeface="+mn-lt"/>
+                <a:ea typeface="+mn-ea"/>
+                <a:cs typeface="+mn-cs"/>
+              </a:defRPr>
+            </a:lvl7pPr>
+            <a:lvl8pPr marL="3429000" indent="-228600" algn="l" defTabSz="914400" rtl="0" eaLnBrk="1" latinLnBrk="0" hangingPunct="1">
+              <a:lnSpc>
+                <a:spcPct val="90000"/>
+              </a:lnSpc>
+              <a:spcBef>
+                <a:spcPts val="500"/>
+              </a:spcBef>
+              <a:buFont typeface="Arial" panose="020B0604020202020204" pitchFamily="34" charset="0"/>
+              <a:buChar char="•"/>
+              <a:defRPr sz="1800" kern="1200">
+                <a:solidFill>
+                  <a:schemeClr val="tx1"/>
+                </a:solidFill>
+                <a:latin typeface="+mn-lt"/>
+                <a:ea typeface="+mn-ea"/>
+                <a:cs typeface="+mn-cs"/>
+              </a:defRPr>
+            </a:lvl8pPr>
+            <a:lvl9pPr marL="3886200" indent="-228600" algn="l" defTabSz="914400" rtl="0" eaLnBrk="1" latinLnBrk="0" hangingPunct="1">
+              <a:lnSpc>
+                <a:spcPct val="90000"/>
+              </a:lnSpc>
+              <a:spcBef>
+                <a:spcPts val="500"/>
+              </a:spcBef>
+              <a:buFont typeface="Arial" panose="020B0604020202020204" pitchFamily="34" charset="0"/>
+              <a:buChar char="•"/>
+              <a:defRPr sz="1800" kern="1200">
+                <a:solidFill>
+                  <a:schemeClr val="tx1"/>
+                </a:solidFill>
+                <a:latin typeface="+mn-lt"/>
+                <a:ea typeface="+mn-ea"/>
+                <a:cs typeface="+mn-cs"/>
+              </a:defRPr>
+            </a:lvl9pPr>
+          </a:lstStyle>
+          <a:p>
+            <a:r>
+              <a:rPr lang="en-US" dirty="0"/>
+              <a:t>Use AI to solve the exercises</a:t>
             </a:r>
             <a:endParaRPr lang="en-BE" dirty="0"/>
           </a:p>

--- a/ppts/0 - preface.pptx
+++ b/ppts/0 - preface.pptx
@@ -520,7 +520,7 @@
           <a:p>
             <a:fld id="{5EE58819-E3F2-4E6D-9AEE-588E0742387A}" type="datetimeFigureOut">
               <a:rPr lang="en-US" smtClean="0"/>
-              <a:t>5/6/2025</a:t>
+              <a:t>5/15/2025</a:t>
             </a:fld>
             <a:endParaRPr lang="en-US"/>
           </a:p>
@@ -1318,7 +1318,7 @@
           <a:p>
             <a:fld id="{7D7586E9-2048-41F9-AFFB-540BFCF114CE}" type="datetimeFigureOut">
               <a:rPr lang="en-US" smtClean="0"/>
-              <a:t>5/6/2025</a:t>
+              <a:t>5/15/2025</a:t>
             </a:fld>
             <a:endParaRPr lang="en-US"/>
           </a:p>
@@ -1471,7 +1471,7 @@
           <a:p>
             <a:fld id="{7D7586E9-2048-41F9-AFFB-540BFCF114CE}" type="datetimeFigureOut">
               <a:rPr lang="en-US" smtClean="0"/>
-              <a:t>5/6/2025</a:t>
+              <a:t>5/15/2025</a:t>
             </a:fld>
             <a:endParaRPr lang="en-US"/>
           </a:p>
@@ -1914,7 +1914,7 @@
           <a:p>
             <a:fld id="{7D7586E9-2048-41F9-AFFB-540BFCF114CE}" type="datetimeFigureOut">
               <a:rPr lang="en-US" smtClean="0"/>
-              <a:t>5/6/2025</a:t>
+              <a:t>5/15/2025</a:t>
             </a:fld>
             <a:endParaRPr lang="en-US"/>
           </a:p>
@@ -2233,7 +2233,7 @@
           <a:p>
             <a:fld id="{7D7586E9-2048-41F9-AFFB-540BFCF114CE}" type="datetimeFigureOut">
               <a:rPr lang="en-US" smtClean="0"/>
-              <a:t>5/6/2025</a:t>
+              <a:t>5/15/2025</a:t>
             </a:fld>
             <a:endParaRPr lang="en-US"/>
           </a:p>
@@ -2440,7 +2440,7 @@
           <a:p>
             <a:fld id="{7D7586E9-2048-41F9-AFFB-540BFCF114CE}" type="datetimeFigureOut">
               <a:rPr lang="en-US" smtClean="0"/>
-              <a:t>5/6/2025</a:t>
+              <a:t>5/15/2025</a:t>
             </a:fld>
             <a:endParaRPr lang="en-US"/>
           </a:p>
@@ -2759,7 +2759,7 @@
           <a:p>
             <a:fld id="{7D7586E9-2048-41F9-AFFB-540BFCF114CE}" type="datetimeFigureOut">
               <a:rPr lang="en-US" smtClean="0"/>
-              <a:t>5/6/2025</a:t>
+              <a:t>5/15/2025</a:t>
             </a:fld>
             <a:endParaRPr lang="en-US"/>
           </a:p>
@@ -3099,7 +3099,7 @@
           <a:p>
             <a:fld id="{7D7586E9-2048-41F9-AFFB-540BFCF114CE}" type="datetimeFigureOut">
               <a:rPr lang="en-US" smtClean="0"/>
-              <a:t>5/6/2025</a:t>
+              <a:t>5/15/2025</a:t>
             </a:fld>
             <a:endParaRPr lang="en-US"/>
           </a:p>
@@ -3263,7 +3263,7 @@
           <a:p>
             <a:fld id="{7D7586E9-2048-41F9-AFFB-540BFCF114CE}" type="datetimeFigureOut">
               <a:rPr lang="en-US" smtClean="0"/>
-              <a:t>5/6/2025</a:t>
+              <a:t>5/15/2025</a:t>
             </a:fld>
             <a:endParaRPr lang="en-US"/>
           </a:p>
@@ -3540,7 +3540,7 @@
           <a:p>
             <a:fld id="{7D7586E9-2048-41F9-AFFB-540BFCF114CE}" type="datetimeFigureOut">
               <a:rPr lang="en-US" smtClean="0"/>
-              <a:t>5/6/2025</a:t>
+              <a:t>5/15/2025</a:t>
             </a:fld>
             <a:endParaRPr lang="en-US"/>
           </a:p>
@@ -3992,7 +3992,7 @@
           <a:p>
             <a:fld id="{7D7586E9-2048-41F9-AFFB-540BFCF114CE}" type="datetimeFigureOut">
               <a:rPr lang="en-US" smtClean="0"/>
-              <a:t>5/6/2025</a:t>
+              <a:t>5/15/2025</a:t>
             </a:fld>
             <a:endParaRPr lang="en-US"/>
           </a:p>
@@ -4237,7 +4237,7 @@
           <a:p>
             <a:fld id="{7D7586E9-2048-41F9-AFFB-540BFCF114CE}" type="datetimeFigureOut">
               <a:rPr lang="en-US" smtClean="0"/>
-              <a:t>5/6/2025</a:t>
+              <a:t>5/15/2025</a:t>
             </a:fld>
             <a:endParaRPr lang="en-US"/>
           </a:p>
@@ -4798,7 +4798,7 @@
           <a:p>
             <a:fld id="{7D7586E9-2048-41F9-AFFB-540BFCF114CE}" type="datetimeFigureOut">
               <a:rPr lang="en-US" smtClean="0"/>
-              <a:t>5/6/2025</a:t>
+              <a:t>5/15/2025</a:t>
             </a:fld>
             <a:endParaRPr lang="en-US"/>
           </a:p>
@@ -4911,7 +4911,7 @@
           <a:p>
             <a:fld id="{7D7586E9-2048-41F9-AFFB-540BFCF114CE}" type="datetimeFigureOut">
               <a:rPr lang="en-US" smtClean="0"/>
-              <a:t>5/6/2025</a:t>
+              <a:t>5/15/2025</a:t>
             </a:fld>
             <a:endParaRPr lang="en-US"/>
           </a:p>
@@ -5445,7 +5445,7 @@
           <a:p>
             <a:fld id="{7D7586E9-2048-41F9-AFFB-540BFCF114CE}" type="datetimeFigureOut">
               <a:rPr lang="en-US" smtClean="0"/>
-              <a:t>5/6/2025</a:t>
+              <a:t>5/15/2025</a:t>
             </a:fld>
             <a:endParaRPr lang="en-US"/>
           </a:p>
@@ -5759,7 +5759,7 @@
           <a:p>
             <a:fld id="{7D7586E9-2048-41F9-AFFB-540BFCF114CE}" type="datetimeFigureOut">
               <a:rPr lang="en-US" smtClean="0"/>
-              <a:t>5/6/2025</a:t>
+              <a:t>5/15/2025</a:t>
             </a:fld>
             <a:endParaRPr lang="en-US"/>
           </a:p>
@@ -6080,7 +6080,7 @@
           <a:p>
             <a:fld id="{7D7586E9-2048-41F9-AFFB-540BFCF114CE}" type="datetimeFigureOut">
               <a:rPr lang="en-US" smtClean="0"/>
-              <a:t>5/6/2025</a:t>
+              <a:t>5/15/2025</a:t>
             </a:fld>
             <a:endParaRPr lang="en-US"/>
           </a:p>
@@ -6521,7 +6521,7 @@
           <a:p>
             <a:fld id="{7D7586E9-2048-41F9-AFFB-540BFCF114CE}" type="datetimeFigureOut">
               <a:rPr lang="en-US" smtClean="0"/>
-              <a:t>5/6/2025</a:t>
+              <a:t>5/15/2025</a:t>
             </a:fld>
             <a:endParaRPr lang="en-US"/>
           </a:p>
@@ -6962,7 +6962,7 @@
           <a:p>
             <a:fld id="{7D7586E9-2048-41F9-AFFB-540BFCF114CE}" type="datetimeFigureOut">
               <a:rPr lang="en-US" smtClean="0"/>
-              <a:t>5/6/2025</a:t>
+              <a:t>5/15/2025</a:t>
             </a:fld>
             <a:endParaRPr lang="en-US"/>
           </a:p>
@@ -7336,7 +7336,7 @@
           <a:p>
             <a:fld id="{7D7586E9-2048-41F9-AFFB-540BFCF114CE}" type="datetimeFigureOut">
               <a:rPr lang="en-US" smtClean="0"/>
-              <a:t>5/6/2025</a:t>
+              <a:t>5/15/2025</a:t>
             </a:fld>
             <a:endParaRPr lang="en-US"/>
           </a:p>
@@ -7731,7 +7731,7 @@
           <a:p>
             <a:fld id="{7D7586E9-2048-41F9-AFFB-540BFCF114CE}" type="datetimeFigureOut">
               <a:rPr lang="en-US" smtClean="0"/>
-              <a:t>5/6/2025</a:t>
+              <a:t>5/15/2025</a:t>
             </a:fld>
             <a:endParaRPr lang="en-US"/>
           </a:p>
@@ -8135,7 +8135,7 @@
           <a:p>
             <a:fld id="{7D7586E9-2048-41F9-AFFB-540BFCF114CE}" type="datetimeFigureOut">
               <a:rPr lang="en-US" smtClean="0"/>
-              <a:t>5/6/2025</a:t>
+              <a:t>5/15/2025</a:t>
             </a:fld>
             <a:endParaRPr lang="en-US"/>
           </a:p>
@@ -8298,7 +8298,7 @@
           <a:p>
             <a:fld id="{7D7586E9-2048-41F9-AFFB-540BFCF114CE}" type="datetimeFigureOut">
               <a:rPr lang="en-US" smtClean="0"/>
-              <a:t>5/6/2025</a:t>
+              <a:t>5/15/2025</a:t>
             </a:fld>
             <a:endParaRPr lang="en-US"/>
           </a:p>
@@ -8897,7 +8897,7 @@
           <a:p>
             <a:fld id="{7D7586E9-2048-41F9-AFFB-540BFCF114CE}" type="datetimeFigureOut">
               <a:rPr lang="en-US" smtClean="0"/>
-              <a:t>5/6/2025</a:t>
+              <a:t>5/15/2025</a:t>
             </a:fld>
             <a:endParaRPr lang="en-US"/>
           </a:p>
@@ -9013,7 +9013,7 @@
           <a:p>
             <a:fld id="{7D7586E9-2048-41F9-AFFB-540BFCF114CE}" type="datetimeFigureOut">
               <a:rPr lang="en-US" smtClean="0"/>
-              <a:t>5/6/2025</a:t>
+              <a:t>5/15/2025</a:t>
             </a:fld>
             <a:endParaRPr lang="en-US"/>
           </a:p>
@@ -9483,7 +9483,7 @@
           <a:p>
             <a:fld id="{7D7586E9-2048-41F9-AFFB-540BFCF114CE}" type="datetimeFigureOut">
               <a:rPr lang="en-US" smtClean="0"/>
-              <a:t>5/6/2025</a:t>
+              <a:t>5/15/2025</a:t>
             </a:fld>
             <a:endParaRPr lang="en-US"/>
           </a:p>
@@ -9589,7 +9589,7 @@
           <a:p>
             <a:fld id="{7D7586E9-2048-41F9-AFFB-540BFCF114CE}" type="datetimeFigureOut">
               <a:rPr lang="en-US" smtClean="0"/>
-              <a:t>5/6/2025</a:t>
+              <a:t>5/15/2025</a:t>
             </a:fld>
             <a:endParaRPr lang="en-US"/>
           </a:p>
@@ -10077,7 +10077,7 @@
           <a:p>
             <a:fld id="{7D7586E9-2048-41F9-AFFB-540BFCF114CE}" type="datetimeFigureOut">
               <a:rPr lang="en-US" smtClean="0"/>
-              <a:t>5/6/2025</a:t>
+              <a:t>5/15/2025</a:t>
             </a:fld>
             <a:endParaRPr lang="en-US"/>
           </a:p>
@@ -10190,7 +10190,7 @@
           <a:p>
             <a:fld id="{7D7586E9-2048-41F9-AFFB-540BFCF114CE}" type="datetimeFigureOut">
               <a:rPr lang="en-US" smtClean="0"/>
-              <a:t>5/6/2025</a:t>
+              <a:t>5/15/2025</a:t>
             </a:fld>
             <a:endParaRPr lang="en-US"/>
           </a:p>
@@ -10732,7 +10732,7 @@
           <a:p>
             <a:fld id="{7D7586E9-2048-41F9-AFFB-540BFCF114CE}" type="datetimeFigureOut">
               <a:rPr lang="en-US" smtClean="0"/>
-              <a:t>5/6/2025</a:t>
+              <a:t>5/15/2025</a:t>
             </a:fld>
             <a:endParaRPr lang="en-US"/>
           </a:p>
@@ -11148,7 +11148,7 @@
           <a:p>
             <a:fld id="{7D7586E9-2048-41F9-AFFB-540BFCF114CE}" type="datetimeFigureOut">
               <a:rPr lang="en-US" smtClean="0"/>
-              <a:t>5/6/2025</a:t>
+              <a:t>5/15/2025</a:t>
             </a:fld>
             <a:endParaRPr lang="en-US"/>
           </a:p>
@@ -11490,7 +11490,7 @@
           <a:p>
             <a:fld id="{7D7586E9-2048-41F9-AFFB-540BFCF114CE}" type="datetimeFigureOut">
               <a:rPr lang="en-US" smtClean="0"/>
-              <a:t>5/6/2025</a:t>
+              <a:t>5/15/2025</a:t>
             </a:fld>
             <a:endParaRPr lang="en-US"/>
           </a:p>
@@ -12153,7 +12153,7 @@
           <a:p>
             <a:fld id="{7D7586E9-2048-41F9-AFFB-540BFCF114CE}" type="datetimeFigureOut">
               <a:rPr lang="en-US" smtClean="0"/>
-              <a:t>5/6/2025</a:t>
+              <a:t>5/15/2025</a:t>
             </a:fld>
             <a:endParaRPr lang="en-US"/>
           </a:p>
@@ -12517,7 +12517,7 @@
           <a:p>
             <a:fld id="{7D7586E9-2048-41F9-AFFB-540BFCF114CE}" type="datetimeFigureOut">
               <a:rPr lang="en-US" smtClean="0"/>
-              <a:t>5/6/2025</a:t>
+              <a:t>5/15/2025</a:t>
             </a:fld>
             <a:endParaRPr lang="en-US"/>
           </a:p>
@@ -13238,7 +13238,7 @@
           <a:p>
             <a:fld id="{7D7586E9-2048-41F9-AFFB-540BFCF114CE}" type="datetimeFigureOut">
               <a:rPr lang="en-US" smtClean="0"/>
-              <a:t>5/6/2025</a:t>
+              <a:t>5/15/2025</a:t>
             </a:fld>
             <a:endParaRPr lang="en-US"/>
           </a:p>
@@ -13445,7 +13445,7 @@
           <a:p>
             <a:fld id="{7D7586E9-2048-41F9-AFFB-540BFCF114CE}" type="datetimeFigureOut">
               <a:rPr lang="en-US" smtClean="0"/>
-              <a:t>5/6/2025</a:t>
+              <a:t>5/15/2025</a:t>
             </a:fld>
             <a:endParaRPr lang="en-US"/>
           </a:p>
@@ -13741,7 +13741,7 @@
           <a:p>
             <a:fld id="{7D7586E9-2048-41F9-AFFB-540BFCF114CE}" type="datetimeFigureOut">
               <a:rPr lang="en-US" smtClean="0"/>
-              <a:t>5/6/2025</a:t>
+              <a:t>5/15/2025</a:t>
             </a:fld>
             <a:endParaRPr lang="en-US"/>
           </a:p>
@@ -14400,7 +14400,7 @@
             <a:pPr lvl="1"/>
             <a:r>
               <a:rPr lang="en-US" dirty="0"/>
-              <a:t>Data Science (R/Python), cloud AI</a:t>
+              <a:t>Data Science (R/Python), cloud AI (machine learning in AWS)</a:t>
             </a:r>
           </a:p>
           <a:p>
@@ -14420,7 +14420,10 @@
               <a:rPr lang="en-US" dirty="0" err="1"/>
               <a:t>datamodelling</a:t>
             </a:r>
-            <a:endParaRPr lang="en-US" dirty="0"/>
+            <a:r>
+              <a:rPr lang="en-US" dirty="0"/>
+              <a:t>, Java</a:t>
+            </a:r>
           </a:p>
         </p:txBody>
       </p:sp>
@@ -14544,7 +14547,7 @@
             <a:pPr lvl="2"/>
             <a:r>
               <a:rPr lang="en-US" dirty="0"/>
-              <a:t>Lunchbreak (12h30-ish)</a:t>
+              <a:t>Lunchbreak (12h00-ish)</a:t>
             </a:r>
           </a:p>
           <a:p>
@@ -14660,7 +14663,9 @@
         </p:nvSpPr>
         <p:spPr/>
         <p:txBody>
-          <a:bodyPr/>
+          <a:bodyPr>
+            <a:normAutofit fontScale="92500" lnSpcReduction="10000"/>
+          </a:bodyPr>
           <a:lstStyle/>
           <a:p>
             <a:pPr marL="457200" indent="-457200">
@@ -14719,6 +14724,84 @@
               <a:rPr lang="en-US" dirty="0"/>
               <a:t> notebooks/python scripts</a:t>
             </a:r>
+          </a:p>
+          <a:p>
+            <a:pPr marL="457200" indent="-457200">
+              <a:buFont typeface="Arial" panose="020B0604020202020204" pitchFamily="34" charset="0"/>
+              <a:buChar char="•"/>
+            </a:pPr>
+            <a:r>
+              <a:rPr lang="en-US" dirty="0"/>
+              <a:t>Our first model (the pipeline)</a:t>
+            </a:r>
+          </a:p>
+          <a:p>
+            <a:pPr marL="457200" indent="-457200">
+              <a:buFont typeface="Arial" panose="020B0604020202020204" pitchFamily="34" charset="0"/>
+              <a:buChar char="•"/>
+            </a:pPr>
+            <a:r>
+              <a:rPr lang="en-US" dirty="0"/>
+              <a:t>Model quality</a:t>
+            </a:r>
+          </a:p>
+          <a:p>
+            <a:pPr marL="457200" indent="-457200">
+              <a:buFont typeface="Arial" panose="020B0604020202020204" pitchFamily="34" charset="0"/>
+              <a:buChar char="•"/>
+            </a:pPr>
+            <a:r>
+              <a:rPr lang="en-US" dirty="0"/>
+              <a:t>Models</a:t>
+            </a:r>
+          </a:p>
+          <a:p>
+            <a:pPr marL="457200" indent="-457200">
+              <a:buFont typeface="Arial" panose="020B0604020202020204" pitchFamily="34" charset="0"/>
+              <a:buChar char="•"/>
+            </a:pPr>
+            <a:r>
+              <a:rPr lang="en-US"/>
+              <a:t>Data augmentation</a:t>
+            </a:r>
+            <a:endParaRPr lang="en-US" dirty="0"/>
+          </a:p>
+          <a:p>
+            <a:pPr marL="457200" indent="-457200">
+              <a:buFont typeface="Arial" panose="020B0604020202020204" pitchFamily="34" charset="0"/>
+              <a:buChar char="•"/>
+            </a:pPr>
+            <a:r>
+              <a:rPr lang="en-US" dirty="0"/>
+              <a:t>Time series</a:t>
+            </a:r>
+          </a:p>
+          <a:p>
+            <a:pPr marL="457200" indent="-457200">
+              <a:buFont typeface="Arial" panose="020B0604020202020204" pitchFamily="34" charset="0"/>
+              <a:buChar char="•"/>
+            </a:pPr>
+            <a:r>
+              <a:rPr lang="en-US" dirty="0"/>
+              <a:t>Unsupervised learning</a:t>
+            </a:r>
+          </a:p>
+          <a:p>
+            <a:pPr marL="457200" indent="-457200">
+              <a:buFont typeface="Arial" panose="020B0604020202020204" pitchFamily="34" charset="0"/>
+              <a:buChar char="•"/>
+            </a:pPr>
+            <a:r>
+              <a:rPr lang="en-US" dirty="0"/>
+              <a:t>Ethics</a:t>
+            </a:r>
+          </a:p>
+          <a:p>
+            <a:pPr marL="457200" indent="-457200">
+              <a:buFont typeface="Arial" panose="020B0604020202020204" pitchFamily="34" charset="0"/>
+              <a:buChar char="•"/>
+            </a:pPr>
+            <a:endParaRPr lang="en-US" dirty="0"/>
           </a:p>
           <a:p>
             <a:pPr marL="457200" indent="-457200">
